--- a/src/main/java/com/java/z_exam/catch_finaly/final, finally, finalize的区别.pptx
+++ b/src/main/java/com/java/z_exam/catch_finaly/final, finally, finalize的区别.pptx
@@ -2658,7 +2658,7 @@
         <a:spcBef>
           <a:spcPts val="1000"/>
         </a:spcBef>
-        <a:buFont typeface="Arial" panose="020B0604020202020204" pitchFamily="34" charset="0"/>
+        <a:buFont typeface="Arial" panose="020B0604020202090204" pitchFamily="34" charset="0"/>
         <a:buChar char="•"/>
         <a:defRPr sz="2800" kern="1200">
           <a:solidFill>
@@ -2676,7 +2676,7 @@
         <a:spcBef>
           <a:spcPts val="500"/>
         </a:spcBef>
-        <a:buFont typeface="Arial" panose="020B0604020202020204" pitchFamily="34" charset="0"/>
+        <a:buFont typeface="Arial" panose="020B0604020202090204" pitchFamily="34" charset="0"/>
         <a:buChar char="•"/>
         <a:defRPr sz="2400" kern="1200">
           <a:solidFill>
@@ -2694,7 +2694,7 @@
         <a:spcBef>
           <a:spcPts val="500"/>
         </a:spcBef>
-        <a:buFont typeface="Arial" panose="020B0604020202020204" pitchFamily="34" charset="0"/>
+        <a:buFont typeface="Arial" panose="020B0604020202090204" pitchFamily="34" charset="0"/>
         <a:buChar char="•"/>
         <a:defRPr sz="2000" kern="1200">
           <a:solidFill>
@@ -2712,7 +2712,7 @@
         <a:spcBef>
           <a:spcPts val="500"/>
         </a:spcBef>
-        <a:buFont typeface="Arial" panose="020B0604020202020204" pitchFamily="34" charset="0"/>
+        <a:buFont typeface="Arial" panose="020B0604020202090204" pitchFamily="34" charset="0"/>
         <a:buChar char="•"/>
         <a:defRPr sz="1800" kern="1200">
           <a:solidFill>
@@ -2730,7 +2730,7 @@
         <a:spcBef>
           <a:spcPts val="500"/>
         </a:spcBef>
-        <a:buFont typeface="Arial" panose="020B0604020202020204" pitchFamily="34" charset="0"/>
+        <a:buFont typeface="Arial" panose="020B0604020202090204" pitchFamily="34" charset="0"/>
         <a:buChar char="•"/>
         <a:defRPr sz="1800" kern="1200">
           <a:solidFill>
@@ -2748,7 +2748,7 @@
         <a:spcBef>
           <a:spcPts val="500"/>
         </a:spcBef>
-        <a:buFont typeface="Arial" panose="020B0604020202020204" pitchFamily="34" charset="0"/>
+        <a:buFont typeface="Arial" panose="020B0604020202090204" pitchFamily="34" charset="0"/>
         <a:buChar char="•"/>
         <a:defRPr sz="1800" kern="1200">
           <a:solidFill>
@@ -2766,7 +2766,7 @@
         <a:spcBef>
           <a:spcPts val="500"/>
         </a:spcBef>
-        <a:buFont typeface="Arial" panose="020B0604020202020204" pitchFamily="34" charset="0"/>
+        <a:buFont typeface="Arial" panose="020B0604020202090204" pitchFamily="34" charset="0"/>
         <a:buChar char="•"/>
         <a:defRPr sz="1800" kern="1200">
           <a:solidFill>
@@ -2784,7 +2784,7 @@
         <a:spcBef>
           <a:spcPts val="500"/>
         </a:spcBef>
-        <a:buFont typeface="Arial" panose="020B0604020202020204" pitchFamily="34" charset="0"/>
+        <a:buFont typeface="Arial" panose="020B0604020202090204" pitchFamily="34" charset="0"/>
         <a:buChar char="•"/>
         <a:defRPr sz="1800" kern="1200">
           <a:solidFill>
@@ -2802,7 +2802,7 @@
         <a:spcBef>
           <a:spcPts val="500"/>
         </a:spcBef>
-        <a:buFont typeface="Arial" panose="020B0604020202020204" pitchFamily="34" charset="0"/>
+        <a:buFont typeface="Arial" panose="020B0604020202090204" pitchFamily="34" charset="0"/>
         <a:buChar char="•"/>
         <a:defRPr sz="1800" kern="1200">
           <a:solidFill>
@@ -3033,7 +3033,7 @@
         <p:spPr>
           <a:xfrm>
             <a:off x="1758950" y="1257300"/>
-            <a:ext cx="9829800" cy="398780"/>
+            <a:ext cx="9829800" cy="5507990"/>
           </a:xfrm>
           <a:prstGeom prst="rect">
             <a:avLst/>
@@ -3048,7 +3048,418 @@
             <a:pPr indent="0">
               <a:buNone/>
             </a:pPr>
-            <a:endParaRPr sz="2000">
+            <a:r>
+              <a:rPr sz="1600">
+                <a:latin typeface="等线" panose="02010600030101010101" charset="-122"/>
+                <a:ea typeface="等线" panose="02010600030101010101" charset="-122"/>
+                <a:cs typeface="等线" panose="02010600030101010101" charset="-122"/>
+                <a:sym typeface="+mn-ea"/>
+              </a:rPr>
+              <a:t>private static void test1() {</a:t>
+            </a:r>
+            <a:endParaRPr sz="1600">
+              <a:latin typeface="等线" panose="02010600030101010101" charset="-122"/>
+              <a:ea typeface="等线" panose="02010600030101010101" charset="-122"/>
+              <a:cs typeface="等线" panose="02010600030101010101" charset="-122"/>
+              <a:sym typeface="+mn-ea"/>
+            </a:endParaRPr>
+          </a:p>
+          <a:p>
+            <a:pPr indent="0">
+              <a:buNone/>
+            </a:pPr>
+            <a:r>
+              <a:rPr sz="1600">
+                <a:latin typeface="等线" panose="02010600030101010101" charset="-122"/>
+                <a:ea typeface="等线" panose="02010600030101010101" charset="-122"/>
+                <a:cs typeface="等线" panose="02010600030101010101" charset="-122"/>
+                <a:sym typeface="+mn-ea"/>
+              </a:rPr>
+              <a:t>        try {</a:t>
+            </a:r>
+            <a:endParaRPr sz="1600">
+              <a:latin typeface="等线" panose="02010600030101010101" charset="-122"/>
+              <a:ea typeface="等线" panose="02010600030101010101" charset="-122"/>
+              <a:cs typeface="等线" panose="02010600030101010101" charset="-122"/>
+              <a:sym typeface="+mn-ea"/>
+            </a:endParaRPr>
+          </a:p>
+          <a:p>
+            <a:pPr indent="0">
+              <a:buNone/>
+            </a:pPr>
+            <a:r>
+              <a:rPr sz="1600">
+                <a:latin typeface="等线" panose="02010600030101010101" charset="-122"/>
+                <a:ea typeface="等线" panose="02010600030101010101" charset="-122"/>
+                <a:cs typeface="等线" panose="02010600030101010101" charset="-122"/>
+                <a:sym typeface="+mn-ea"/>
+              </a:rPr>
+              <a:t>            System.out.println("step one: -&gt; try running");</a:t>
+            </a:r>
+            <a:endParaRPr sz="1600">
+              <a:latin typeface="等线" panose="02010600030101010101" charset="-122"/>
+              <a:ea typeface="等线" panose="02010600030101010101" charset="-122"/>
+              <a:cs typeface="等线" panose="02010600030101010101" charset="-122"/>
+              <a:sym typeface="+mn-ea"/>
+            </a:endParaRPr>
+          </a:p>
+          <a:p>
+            <a:pPr indent="0">
+              <a:buNone/>
+            </a:pPr>
+            <a:r>
+              <a:rPr sz="1600">
+                <a:latin typeface="等线" panose="02010600030101010101" charset="-122"/>
+                <a:ea typeface="等线" panose="02010600030101010101" charset="-122"/>
+                <a:cs typeface="等线" panose="02010600030101010101" charset="-122"/>
+                <a:sym typeface="+mn-ea"/>
+              </a:rPr>
+              <a:t>            return;</a:t>
+            </a:r>
+            <a:endParaRPr sz="1600">
+              <a:latin typeface="等线" panose="02010600030101010101" charset="-122"/>
+              <a:ea typeface="等线" panose="02010600030101010101" charset="-122"/>
+              <a:cs typeface="等线" panose="02010600030101010101" charset="-122"/>
+              <a:sym typeface="+mn-ea"/>
+            </a:endParaRPr>
+          </a:p>
+          <a:p>
+            <a:pPr indent="0">
+              <a:buNone/>
+            </a:pPr>
+            <a:r>
+              <a:rPr sz="1600">
+                <a:latin typeface="等线" panose="02010600030101010101" charset="-122"/>
+                <a:ea typeface="等线" panose="02010600030101010101" charset="-122"/>
+                <a:cs typeface="等线" panose="02010600030101010101" charset="-122"/>
+                <a:sym typeface="+mn-ea"/>
+              </a:rPr>
+              <a:t>        } catch (NullPointerException e){</a:t>
+            </a:r>
+            <a:endParaRPr sz="1600">
+              <a:latin typeface="等线" panose="02010600030101010101" charset="-122"/>
+              <a:ea typeface="等线" panose="02010600030101010101" charset="-122"/>
+              <a:cs typeface="等线" panose="02010600030101010101" charset="-122"/>
+              <a:sym typeface="+mn-ea"/>
+            </a:endParaRPr>
+          </a:p>
+          <a:p>
+            <a:pPr indent="0">
+              <a:buNone/>
+            </a:pPr>
+            <a:r>
+              <a:rPr sz="1600">
+                <a:latin typeface="等线" panose="02010600030101010101" charset="-122"/>
+                <a:ea typeface="等线" panose="02010600030101010101" charset="-122"/>
+                <a:cs typeface="等线" panose="02010600030101010101" charset="-122"/>
+                <a:sym typeface="+mn-ea"/>
+              </a:rPr>
+              <a:t>            e.printStackTrace();</a:t>
+            </a:r>
+            <a:endParaRPr sz="1600">
+              <a:latin typeface="等线" panose="02010600030101010101" charset="-122"/>
+              <a:ea typeface="等线" panose="02010600030101010101" charset="-122"/>
+              <a:cs typeface="等线" panose="02010600030101010101" charset="-122"/>
+              <a:sym typeface="+mn-ea"/>
+            </a:endParaRPr>
+          </a:p>
+          <a:p>
+            <a:pPr indent="0">
+              <a:buNone/>
+            </a:pPr>
+            <a:r>
+              <a:rPr sz="1600">
+                <a:latin typeface="等线" panose="02010600030101010101" charset="-122"/>
+                <a:ea typeface="等线" panose="02010600030101010101" charset="-122"/>
+                <a:cs typeface="等线" panose="02010600030101010101" charset="-122"/>
+                <a:sym typeface="+mn-ea"/>
+              </a:rPr>
+              <a:t>        } finally {</a:t>
+            </a:r>
+            <a:endParaRPr sz="1600">
+              <a:latin typeface="等线" panose="02010600030101010101" charset="-122"/>
+              <a:ea typeface="等线" panose="02010600030101010101" charset="-122"/>
+              <a:cs typeface="等线" panose="02010600030101010101" charset="-122"/>
+              <a:sym typeface="+mn-ea"/>
+            </a:endParaRPr>
+          </a:p>
+          <a:p>
+            <a:pPr indent="0">
+              <a:buNone/>
+            </a:pPr>
+            <a:r>
+              <a:rPr sz="1600">
+                <a:latin typeface="等线" panose="02010600030101010101" charset="-122"/>
+                <a:ea typeface="等线" panose="02010600030101010101" charset="-122"/>
+                <a:cs typeface="等线" panose="02010600030101010101" charset="-122"/>
+                <a:sym typeface="+mn-ea"/>
+              </a:rPr>
+              <a:t>            System.out.println("step second: -&gt; finally running");</a:t>
+            </a:r>
+            <a:endParaRPr sz="1600">
+              <a:latin typeface="等线" panose="02010600030101010101" charset="-122"/>
+              <a:ea typeface="等线" panose="02010600030101010101" charset="-122"/>
+              <a:cs typeface="等线" panose="02010600030101010101" charset="-122"/>
+              <a:sym typeface="+mn-ea"/>
+            </a:endParaRPr>
+          </a:p>
+          <a:p>
+            <a:pPr indent="0">
+              <a:buNone/>
+            </a:pPr>
+            <a:r>
+              <a:rPr sz="1600">
+                <a:latin typeface="等线" panose="02010600030101010101" charset="-122"/>
+                <a:ea typeface="等线" panose="02010600030101010101" charset="-122"/>
+                <a:cs typeface="等线" panose="02010600030101010101" charset="-122"/>
+                <a:sym typeface="+mn-ea"/>
+              </a:rPr>
+              <a:t>        }</a:t>
+            </a:r>
+            <a:endParaRPr sz="1600">
+              <a:latin typeface="等线" panose="02010600030101010101" charset="-122"/>
+              <a:ea typeface="等线" panose="02010600030101010101" charset="-122"/>
+              <a:cs typeface="等线" panose="02010600030101010101" charset="-122"/>
+              <a:sym typeface="+mn-ea"/>
+            </a:endParaRPr>
+          </a:p>
+          <a:p>
+            <a:pPr indent="0">
+              <a:buNone/>
+            </a:pPr>
+            <a:endParaRPr sz="1600">
+              <a:latin typeface="等线" panose="02010600030101010101" charset="-122"/>
+              <a:ea typeface="等线" panose="02010600030101010101" charset="-122"/>
+              <a:cs typeface="等线" panose="02010600030101010101" charset="-122"/>
+              <a:sym typeface="+mn-ea"/>
+            </a:endParaRPr>
+          </a:p>
+          <a:p>
+            <a:pPr indent="0">
+              <a:buNone/>
+            </a:pPr>
+            <a:r>
+              <a:rPr sz="1600">
+                <a:latin typeface="等线" panose="02010600030101010101" charset="-122"/>
+                <a:ea typeface="等线" panose="02010600030101010101" charset="-122"/>
+                <a:cs typeface="等线" panose="02010600030101010101" charset="-122"/>
+                <a:sym typeface="+mn-ea"/>
+              </a:rPr>
+              <a:t>        System.out.println("step third: -&gt; hello world");</a:t>
+            </a:r>
+            <a:endParaRPr sz="1600">
+              <a:latin typeface="等线" panose="02010600030101010101" charset="-122"/>
+              <a:ea typeface="等线" panose="02010600030101010101" charset="-122"/>
+              <a:cs typeface="等线" panose="02010600030101010101" charset="-122"/>
+              <a:sym typeface="+mn-ea"/>
+            </a:endParaRPr>
+          </a:p>
+          <a:p>
+            <a:pPr indent="0">
+              <a:buNone/>
+            </a:pPr>
+            <a:r>
+              <a:rPr sz="1600">
+                <a:latin typeface="等线" panose="02010600030101010101" charset="-122"/>
+                <a:ea typeface="等线" panose="02010600030101010101" charset="-122"/>
+                <a:cs typeface="等线" panose="02010600030101010101" charset="-122"/>
+                <a:sym typeface="+mn-ea"/>
+              </a:rPr>
+              <a:t>    }</a:t>
+            </a:r>
+            <a:endParaRPr sz="1600">
+              <a:latin typeface="等线" panose="02010600030101010101" charset="-122"/>
+              <a:ea typeface="等线" panose="02010600030101010101" charset="-122"/>
+              <a:cs typeface="等线" panose="02010600030101010101" charset="-122"/>
+              <a:sym typeface="+mn-ea"/>
+            </a:endParaRPr>
+          </a:p>
+          <a:p>
+            <a:pPr indent="0">
+              <a:buNone/>
+            </a:pPr>
+            <a:endParaRPr sz="1600">
+              <a:latin typeface="等线" panose="02010600030101010101" charset="-122"/>
+              <a:ea typeface="等线" panose="02010600030101010101" charset="-122"/>
+              <a:cs typeface="等线" panose="02010600030101010101" charset="-122"/>
+              <a:sym typeface="+mn-ea"/>
+            </a:endParaRPr>
+          </a:p>
+          <a:p>
+            <a:pPr indent="0">
+              <a:buNone/>
+            </a:pPr>
+            <a:r>
+              <a:rPr sz="1600">
+                <a:latin typeface="等线" panose="02010600030101010101" charset="-122"/>
+                <a:ea typeface="等线" panose="02010600030101010101" charset="-122"/>
+                <a:cs typeface="等线" panose="02010600030101010101" charset="-122"/>
+                <a:sym typeface="+mn-ea"/>
+              </a:rPr>
+              <a:t>    private static void test2() {</a:t>
+            </a:r>
+            <a:endParaRPr sz="1600">
+              <a:latin typeface="等线" panose="02010600030101010101" charset="-122"/>
+              <a:ea typeface="等线" panose="02010600030101010101" charset="-122"/>
+              <a:cs typeface="等线" panose="02010600030101010101" charset="-122"/>
+              <a:sym typeface="+mn-ea"/>
+            </a:endParaRPr>
+          </a:p>
+          <a:p>
+            <a:pPr indent="0">
+              <a:buNone/>
+            </a:pPr>
+            <a:r>
+              <a:rPr sz="1600">
+                <a:latin typeface="等线" panose="02010600030101010101" charset="-122"/>
+                <a:ea typeface="等线" panose="02010600030101010101" charset="-122"/>
+                <a:cs typeface="等线" panose="02010600030101010101" charset="-122"/>
+                <a:sym typeface="+mn-ea"/>
+              </a:rPr>
+              <a:t>        try {</a:t>
+            </a:r>
+            <a:endParaRPr sz="1600">
+              <a:latin typeface="等线" panose="02010600030101010101" charset="-122"/>
+              <a:ea typeface="等线" panose="02010600030101010101" charset="-122"/>
+              <a:cs typeface="等线" panose="02010600030101010101" charset="-122"/>
+              <a:sym typeface="+mn-ea"/>
+            </a:endParaRPr>
+          </a:p>
+          <a:p>
+            <a:pPr indent="0">
+              <a:buNone/>
+            </a:pPr>
+            <a:r>
+              <a:rPr sz="1600">
+                <a:latin typeface="等线" panose="02010600030101010101" charset="-122"/>
+                <a:ea typeface="等线" panose="02010600030101010101" charset="-122"/>
+                <a:cs typeface="等线" panose="02010600030101010101" charset="-122"/>
+                <a:sym typeface="+mn-ea"/>
+              </a:rPr>
+              <a:t>            // do something System...</a:t>
+            </a:r>
+            <a:endParaRPr sz="1600">
+              <a:latin typeface="等线" panose="02010600030101010101" charset="-122"/>
+              <a:ea typeface="等线" panose="02010600030101010101" charset="-122"/>
+              <a:cs typeface="等线" panose="02010600030101010101" charset="-122"/>
+              <a:sym typeface="+mn-ea"/>
+            </a:endParaRPr>
+          </a:p>
+          <a:p>
+            <a:pPr indent="0">
+              <a:buNone/>
+            </a:pPr>
+            <a:r>
+              <a:rPr sz="1600">
+                <a:latin typeface="等线" panose="02010600030101010101" charset="-122"/>
+                <a:ea typeface="等线" panose="02010600030101010101" charset="-122"/>
+                <a:cs typeface="等线" panose="02010600030101010101" charset="-122"/>
+                <a:sym typeface="+mn-ea"/>
+              </a:rPr>
+              <a:t>            System.out.println("step forth: -&gt; try running");</a:t>
+            </a:r>
+            <a:endParaRPr sz="1600">
+              <a:latin typeface="等线" panose="02010600030101010101" charset="-122"/>
+              <a:ea typeface="等线" panose="02010600030101010101" charset="-122"/>
+              <a:cs typeface="等线" panose="02010600030101010101" charset="-122"/>
+              <a:sym typeface="+mn-ea"/>
+            </a:endParaRPr>
+          </a:p>
+          <a:p>
+            <a:pPr indent="0">
+              <a:buNone/>
+            </a:pPr>
+            <a:r>
+              <a:rPr sz="1600">
+                <a:latin typeface="等线" panose="02010600030101010101" charset="-122"/>
+                <a:ea typeface="等线" panose="02010600030101010101" charset="-122"/>
+                <a:cs typeface="等线" panose="02010600030101010101" charset="-122"/>
+                <a:sym typeface="+mn-ea"/>
+              </a:rPr>
+              <a:t>            System.exit(1);</a:t>
+            </a:r>
+            <a:endParaRPr sz="1600">
+              <a:latin typeface="等线" panose="02010600030101010101" charset="-122"/>
+              <a:ea typeface="等线" panose="02010600030101010101" charset="-122"/>
+              <a:cs typeface="等线" panose="02010600030101010101" charset="-122"/>
+              <a:sym typeface="+mn-ea"/>
+            </a:endParaRPr>
+          </a:p>
+          <a:p>
+            <a:pPr indent="0">
+              <a:buNone/>
+            </a:pPr>
+            <a:r>
+              <a:rPr sz="1600">
+                <a:latin typeface="等线" panose="02010600030101010101" charset="-122"/>
+                <a:ea typeface="等线" panose="02010600030101010101" charset="-122"/>
+                <a:cs typeface="等线" panose="02010600030101010101" charset="-122"/>
+                <a:sym typeface="+mn-ea"/>
+              </a:rPr>
+              <a:t>        } finally {</a:t>
+            </a:r>
+            <a:endParaRPr sz="1600">
+              <a:latin typeface="等线" panose="02010600030101010101" charset="-122"/>
+              <a:ea typeface="等线" panose="02010600030101010101" charset="-122"/>
+              <a:cs typeface="等线" panose="02010600030101010101" charset="-122"/>
+              <a:sym typeface="+mn-ea"/>
+            </a:endParaRPr>
+          </a:p>
+          <a:p>
+            <a:pPr indent="0">
+              <a:buNone/>
+            </a:pPr>
+            <a:r>
+              <a:rPr sz="1600">
+                <a:latin typeface="等线" panose="02010600030101010101" charset="-122"/>
+                <a:ea typeface="等线" panose="02010600030101010101" charset="-122"/>
+                <a:cs typeface="等线" panose="02010600030101010101" charset="-122"/>
+                <a:sym typeface="+mn-ea"/>
+              </a:rPr>
+              <a:t>            System.out.println("step forth: -&gt; finally running");</a:t>
+            </a:r>
+            <a:endParaRPr sz="1600">
+              <a:latin typeface="等线" panose="02010600030101010101" charset="-122"/>
+              <a:ea typeface="等线" panose="02010600030101010101" charset="-122"/>
+              <a:cs typeface="等线" panose="02010600030101010101" charset="-122"/>
+              <a:sym typeface="+mn-ea"/>
+            </a:endParaRPr>
+          </a:p>
+          <a:p>
+            <a:pPr indent="0">
+              <a:buNone/>
+            </a:pPr>
+            <a:r>
+              <a:rPr sz="1600">
+                <a:latin typeface="等线" panose="02010600030101010101" charset="-122"/>
+                <a:ea typeface="等线" panose="02010600030101010101" charset="-122"/>
+                <a:cs typeface="等线" panose="02010600030101010101" charset="-122"/>
+                <a:sym typeface="+mn-ea"/>
+              </a:rPr>
+              <a:t>        }</a:t>
+            </a:r>
+            <a:endParaRPr sz="1600">
+              <a:latin typeface="等线" panose="02010600030101010101" charset="-122"/>
+              <a:ea typeface="等线" panose="02010600030101010101" charset="-122"/>
+              <a:cs typeface="等线" panose="02010600030101010101" charset="-122"/>
+              <a:sym typeface="+mn-ea"/>
+            </a:endParaRPr>
+          </a:p>
+          <a:p>
+            <a:pPr indent="0">
+              <a:buNone/>
+            </a:pPr>
+            <a:r>
+              <a:rPr sz="1600">
+                <a:latin typeface="等线" panose="02010600030101010101" charset="-122"/>
+                <a:ea typeface="等线" panose="02010600030101010101" charset="-122"/>
+                <a:cs typeface="等线" panose="02010600030101010101" charset="-122"/>
+                <a:sym typeface="+mn-ea"/>
+              </a:rPr>
+              <a:t>    }</a:t>
+            </a:r>
+            <a:endParaRPr sz="1600">
               <a:latin typeface="等线" panose="02010600030101010101" charset="-122"/>
               <a:ea typeface="等线" panose="02010600030101010101" charset="-122"/>
               <a:cs typeface="等线" panose="02010600030101010101" charset="-122"/>
